--- a/Al-Khayyat Anaam Ali/költségvetés.pptx
+++ b/Al-Khayyat Anaam Ali/költségvetés.pptx
@@ -4565,32 +4565,38 @@
       </p:sp>
       <p:pic>
         <p:nvPicPr>
-          <p:cNvPr id="5" name="demo.mp4">
+          <p:cNvPr id="6" name="demo">
             <a:hlinkClick r:id="" action="ppaction://media"/>
+            <a:extLst>
+              <a:ext uri="{FF2B5EF4-FFF2-40B4-BE49-F238E27FC236}">
+                <a16:creationId xmlns:a16="http://schemas.microsoft.com/office/drawing/2014/main" id="{CC6CA982-1E8A-475A-BE32-8DD8489D2158}"/>
+              </a:ext>
+            </a:extLst>
           </p:cNvPr>
           <p:cNvPicPr>
-            <a:picLocks noGrp="1" noRot="1" noChangeAspect="1"/>
+            <a:picLocks noGrp="1" noChangeAspect="1"/>
           </p:cNvPicPr>
           <p:nvPr>
             <p:ph idx="1"/>
-            <a:videoFile r:link="rId1"/>
+            <a:videoFile r:link="rId2"/>
+            <p:extLst>
+              <p:ext uri="{DAA4B4D4-6D71-4841-9C94-3DE7FCFB9230}">
+                <p14:media xmlns:p14="http://schemas.microsoft.com/office/powerpoint/2010/main" r:embed="rId1"/>
+              </p:ext>
+            </p:extLst>
           </p:nvPr>
         </p:nvPicPr>
         <p:blipFill>
-          <a:blip r:embed="rId3" cstate="print"/>
-          <a:srcRect/>
+          <a:blip r:embed="rId4"/>
           <a:stretch>
             <a:fillRect/>
           </a:stretch>
         </p:blipFill>
         <p:spPr>
           <a:xfrm>
-            <a:off x="1686159" y="1844824"/>
-            <a:ext cx="6636854" cy="3733181"/>
+            <a:off x="1435100" y="1738313"/>
+            <a:ext cx="7499350" cy="4217987"/>
           </a:xfrm>
-          <a:prstGeom prst="rect">
-            <a:avLst/>
-          </a:prstGeom>
         </p:spPr>
       </p:pic>
     </p:spTree>
@@ -4610,9 +4616,6 @@
                     <p:cTn id="3" fill="hold">
                       <p:stCondLst>
                         <p:cond delay="indefinite"/>
-                        <p:cond evt="onBegin" delay="0">
-                          <p:tn val="2"/>
-                        </p:cond>
                       </p:stCondLst>
                       <p:childTnLst>
                         <p:par>
@@ -4622,7 +4625,7 @@
                             </p:stCondLst>
                             <p:childTnLst>
                               <p:par>
-                                <p:cTn id="5" presetID="1" presetClass="mediacall" presetSubtype="0" fill="hold" nodeType="afterEffect">
+                                <p:cTn id="5" presetID="1" presetClass="mediacall" presetSubtype="0" fill="hold" nodeType="clickEffect">
                                   <p:stCondLst>
                                     <p:cond delay="0"/>
                                   </p:stCondLst>
@@ -4631,7 +4634,7 @@
                                       <p:cBhvr>
                                         <p:cTn id="6" dur="34840" fill="hold"/>
                                         <p:tgtEl>
-                                          <p:spTgt spid="5"/>
+                                          <p:spTgt spid="6"/>
                                         </p:tgtEl>
                                       </p:cBhvr>
                                     </p:cmd>
@@ -4662,26 +4665,14 @@
               </p:nextCondLst>
             </p:seq>
             <p:video>
-              <p:cMediaNode>
+              <p:cMediaNode vol="80000">
                 <p:cTn id="7" fill="hold" display="0">
                   <p:stCondLst>
                     <p:cond delay="indefinite"/>
                   </p:stCondLst>
-                  <p:endCondLst>
-                    <p:cond evt="onNext" delay="0">
-                      <p:tgtEl>
-                        <p:sldTgt/>
-                      </p:tgtEl>
-                    </p:cond>
-                    <p:cond evt="onPrev" delay="0">
-                      <p:tgtEl>
-                        <p:sldTgt/>
-                      </p:tgtEl>
-                    </p:cond>
-                  </p:endCondLst>
                 </p:cTn>
                 <p:tgtEl>
-                  <p:spTgt spid="5"/>
+                  <p:spTgt spid="6"/>
                 </p:tgtEl>
               </p:cMediaNode>
             </p:video>
@@ -4690,7 +4681,7 @@
                 <p:stCondLst>
                   <p:cond evt="onClick" delay="0">
                     <p:tgtEl>
-                      <p:spTgt spid="5"/>
+                      <p:spTgt spid="6"/>
                     </p:tgtEl>
                   </p:cond>
                 </p:stCondLst>
@@ -4720,7 +4711,7 @@
                                       <p:cBhvr>
                                         <p:cTn id="12" dur="1" fill="hold"/>
                                         <p:tgtEl>
-                                          <p:spTgt spid="5"/>
+                                          <p:spTgt spid="6"/>
                                         </p:tgtEl>
                                       </p:cBhvr>
                                     </p:cmd>
@@ -4738,7 +4729,7 @@
               <p:nextCondLst>
                 <p:cond evt="onClick" delay="0">
                   <p:tgtEl>
-                    <p:spTgt spid="5"/>
+                    <p:spTgt spid="6"/>
                   </p:tgtEl>
                 </p:cond>
               </p:nextCondLst>
